--- a/docs/PuppiWi用拡張基盤.pptx
+++ b/docs/PuppiWi用拡張基盤.pptx
@@ -107,6 +107,11 @@
       </a:defRPr>
     </a:lvl9pPr>
   </p:defaultTextStyle>
+  <p:extLst>
+    <p:ext uri="{EFAFB233-063F-42B5-8137-9DF3F51BA10A}">
+      <p15:sldGuideLst xmlns:p15="http://schemas.microsoft.com/office/powerpoint/2012/main"/>
+    </p:ext>
+  </p:extLst>
 </p:presentation>
 </file>
 
@@ -257,7 +262,7 @@
           <a:p>
             <a:fld id="{319B8775-8AB4-4DB5-AF68-5FAC87983329}" type="datetimeFigureOut">
               <a:rPr kumimoji="1" lang="ja-JP" altLang="en-US" smtClean="0"/>
-              <a:t>2024/11/6</a:t>
+              <a:t>2024/11/24</a:t>
             </a:fld>
             <a:endParaRPr kumimoji="1" lang="ja-JP" altLang="en-US"/>
           </a:p>
@@ -487,7 +492,7 @@
           <a:p>
             <a:fld id="{319B8775-8AB4-4DB5-AF68-5FAC87983329}" type="datetimeFigureOut">
               <a:rPr kumimoji="1" lang="ja-JP" altLang="en-US" smtClean="0"/>
-              <a:t>2024/11/6</a:t>
+              <a:t>2024/11/24</a:t>
             </a:fld>
             <a:endParaRPr kumimoji="1" lang="ja-JP" altLang="en-US"/>
           </a:p>
@@ -727,7 +732,7 @@
           <a:p>
             <a:fld id="{319B8775-8AB4-4DB5-AF68-5FAC87983329}" type="datetimeFigureOut">
               <a:rPr kumimoji="1" lang="ja-JP" altLang="en-US" smtClean="0"/>
-              <a:t>2024/11/6</a:t>
+              <a:t>2024/11/24</a:t>
             </a:fld>
             <a:endParaRPr kumimoji="1" lang="ja-JP" altLang="en-US"/>
           </a:p>
@@ -957,7 +962,7 @@
           <a:p>
             <a:fld id="{319B8775-8AB4-4DB5-AF68-5FAC87983329}" type="datetimeFigureOut">
               <a:rPr kumimoji="1" lang="ja-JP" altLang="en-US" smtClean="0"/>
-              <a:t>2024/11/6</a:t>
+              <a:t>2024/11/24</a:t>
             </a:fld>
             <a:endParaRPr kumimoji="1" lang="ja-JP" altLang="en-US"/>
           </a:p>
@@ -1232,7 +1237,7 @@
           <a:p>
             <a:fld id="{319B8775-8AB4-4DB5-AF68-5FAC87983329}" type="datetimeFigureOut">
               <a:rPr kumimoji="1" lang="ja-JP" altLang="en-US" smtClean="0"/>
-              <a:t>2024/11/6</a:t>
+              <a:t>2024/11/24</a:t>
             </a:fld>
             <a:endParaRPr kumimoji="1" lang="ja-JP" altLang="en-US"/>
           </a:p>
@@ -1561,7 +1566,7 @@
           <a:p>
             <a:fld id="{319B8775-8AB4-4DB5-AF68-5FAC87983329}" type="datetimeFigureOut">
               <a:rPr kumimoji="1" lang="ja-JP" altLang="en-US" smtClean="0"/>
-              <a:t>2024/11/6</a:t>
+              <a:t>2024/11/24</a:t>
             </a:fld>
             <a:endParaRPr kumimoji="1" lang="ja-JP" altLang="en-US"/>
           </a:p>
@@ -2037,7 +2042,7 @@
           <a:p>
             <a:fld id="{319B8775-8AB4-4DB5-AF68-5FAC87983329}" type="datetimeFigureOut">
               <a:rPr kumimoji="1" lang="ja-JP" altLang="en-US" smtClean="0"/>
-              <a:t>2024/11/6</a:t>
+              <a:t>2024/11/24</a:t>
             </a:fld>
             <a:endParaRPr kumimoji="1" lang="ja-JP" altLang="en-US"/>
           </a:p>
@@ -2178,7 +2183,7 @@
           <a:p>
             <a:fld id="{319B8775-8AB4-4DB5-AF68-5FAC87983329}" type="datetimeFigureOut">
               <a:rPr kumimoji="1" lang="ja-JP" altLang="en-US" smtClean="0"/>
-              <a:t>2024/11/6</a:t>
+              <a:t>2024/11/24</a:t>
             </a:fld>
             <a:endParaRPr kumimoji="1" lang="ja-JP" altLang="en-US"/>
           </a:p>
@@ -2291,7 +2296,7 @@
           <a:p>
             <a:fld id="{319B8775-8AB4-4DB5-AF68-5FAC87983329}" type="datetimeFigureOut">
               <a:rPr kumimoji="1" lang="ja-JP" altLang="en-US" smtClean="0"/>
-              <a:t>2024/11/6</a:t>
+              <a:t>2024/11/24</a:t>
             </a:fld>
             <a:endParaRPr kumimoji="1" lang="ja-JP" altLang="en-US"/>
           </a:p>
@@ -2634,7 +2639,7 @@
           <a:p>
             <a:fld id="{319B8775-8AB4-4DB5-AF68-5FAC87983329}" type="datetimeFigureOut">
               <a:rPr kumimoji="1" lang="ja-JP" altLang="en-US" smtClean="0"/>
-              <a:t>2024/11/6</a:t>
+              <a:t>2024/11/24</a:t>
             </a:fld>
             <a:endParaRPr kumimoji="1" lang="ja-JP" altLang="en-US"/>
           </a:p>
@@ -2922,7 +2927,7 @@
           <a:p>
             <a:fld id="{319B8775-8AB4-4DB5-AF68-5FAC87983329}" type="datetimeFigureOut">
               <a:rPr kumimoji="1" lang="ja-JP" altLang="en-US" smtClean="0"/>
-              <a:t>2024/11/6</a:t>
+              <a:t>2024/11/24</a:t>
             </a:fld>
             <a:endParaRPr kumimoji="1" lang="ja-JP" altLang="en-US"/>
           </a:p>
@@ -3195,7 +3200,7 @@
           <a:p>
             <a:fld id="{319B8775-8AB4-4DB5-AF68-5FAC87983329}" type="datetimeFigureOut">
               <a:rPr kumimoji="1" lang="ja-JP" altLang="en-US" smtClean="0"/>
-              <a:t>2024/11/6</a:t>
+              <a:t>2024/11/24</a:t>
             </a:fld>
             <a:endParaRPr kumimoji="1" lang="ja-JP" altLang="en-US"/>
           </a:p>
@@ -3641,6 +3646,10 @@
               <a:rPr lang="ja-JP" altLang="en-US" dirty="0"/>
               <a:t>用拡張基盤</a:t>
             </a:r>
+            <a:r>
+              <a:rPr lang="en-US" altLang="ja-JP" dirty="0"/>
+              <a:t>forRPi5</a:t>
+            </a:r>
             <a:endParaRPr kumimoji="1" lang="ja-JP" altLang="en-US" dirty="0"/>
           </a:p>
         </p:txBody>
@@ -3683,8 +3692,8 @@
               <a:t>月</a:t>
             </a:r>
             <a:r>
-              <a:rPr kumimoji="1" lang="en-US" altLang="ja-JP" dirty="0"/>
-              <a:t>6</a:t>
+              <a:rPr lang="en-US" altLang="ja-JP" dirty="0"/>
+              <a:t>24</a:t>
             </a:r>
             <a:r>
               <a:rPr kumimoji="1" lang="ja-JP" altLang="en-US" dirty="0"/>
@@ -5770,7 +5779,15 @@
           <a:p>
             <a:r>
               <a:rPr kumimoji="1" lang="en-US" altLang="ja-JP" dirty="0"/>
-              <a:t>Servo1:GPIO6</a:t>
+              <a:t>Servo1:</a:t>
+            </a:r>
+            <a:r>
+              <a:rPr kumimoji="1" lang="en-US" altLang="ja-JP" dirty="0">
+                <a:highlight>
+                  <a:srgbClr val="FFFF00"/>
+                </a:highlight>
+              </a:rPr>
+              <a:t>GPIO5</a:t>
             </a:r>
           </a:p>
           <a:p>
